--- a/Screen Shots.pptx
+++ b/Screen Shots.pptx
@@ -306,7 +306,7 @@
           <a:p>
             <a:fld id="{232ABEB1-F4E1-8D4F-AAF0-EE6096FE7186}" type="datetimeFigureOut">
               <a:rPr lang="en-US" smtClean="0"/>
-              <a:t>9/15/17</a:t>
+              <a:t>9/19/17</a:t>
             </a:fld>
             <a:endParaRPr lang="en-US"/>
           </a:p>
@@ -476,7 +476,7 @@
           <a:p>
             <a:fld id="{232ABEB1-F4E1-8D4F-AAF0-EE6096FE7186}" type="datetimeFigureOut">
               <a:rPr lang="en-US" smtClean="0"/>
-              <a:t>9/15/17</a:t>
+              <a:t>9/19/17</a:t>
             </a:fld>
             <a:endParaRPr lang="en-US"/>
           </a:p>
@@ -656,7 +656,7 @@
           <a:p>
             <a:fld id="{232ABEB1-F4E1-8D4F-AAF0-EE6096FE7186}" type="datetimeFigureOut">
               <a:rPr lang="en-US" smtClean="0"/>
-              <a:t>9/15/17</a:t>
+              <a:t>9/19/17</a:t>
             </a:fld>
             <a:endParaRPr lang="en-US"/>
           </a:p>
@@ -826,7 +826,7 @@
           <a:p>
             <a:fld id="{232ABEB1-F4E1-8D4F-AAF0-EE6096FE7186}" type="datetimeFigureOut">
               <a:rPr lang="en-US" smtClean="0"/>
-              <a:t>9/15/17</a:t>
+              <a:t>9/19/17</a:t>
             </a:fld>
             <a:endParaRPr lang="en-US"/>
           </a:p>
@@ -1072,7 +1072,7 @@
           <a:p>
             <a:fld id="{232ABEB1-F4E1-8D4F-AAF0-EE6096FE7186}" type="datetimeFigureOut">
               <a:rPr lang="en-US" smtClean="0"/>
-              <a:t>9/15/17</a:t>
+              <a:t>9/19/17</a:t>
             </a:fld>
             <a:endParaRPr lang="en-US"/>
           </a:p>
@@ -1360,7 +1360,7 @@
           <a:p>
             <a:fld id="{232ABEB1-F4E1-8D4F-AAF0-EE6096FE7186}" type="datetimeFigureOut">
               <a:rPr lang="en-US" smtClean="0"/>
-              <a:t>9/15/17</a:t>
+              <a:t>9/19/17</a:t>
             </a:fld>
             <a:endParaRPr lang="en-US"/>
           </a:p>
@@ -1782,7 +1782,7 @@
           <a:p>
             <a:fld id="{232ABEB1-F4E1-8D4F-AAF0-EE6096FE7186}" type="datetimeFigureOut">
               <a:rPr lang="en-US" smtClean="0"/>
-              <a:t>9/15/17</a:t>
+              <a:t>9/19/17</a:t>
             </a:fld>
             <a:endParaRPr lang="en-US"/>
           </a:p>
@@ -1900,7 +1900,7 @@
           <a:p>
             <a:fld id="{232ABEB1-F4E1-8D4F-AAF0-EE6096FE7186}" type="datetimeFigureOut">
               <a:rPr lang="en-US" smtClean="0"/>
-              <a:t>9/15/17</a:t>
+              <a:t>9/19/17</a:t>
             </a:fld>
             <a:endParaRPr lang="en-US"/>
           </a:p>
@@ -1995,7 +1995,7 @@
           <a:p>
             <a:fld id="{232ABEB1-F4E1-8D4F-AAF0-EE6096FE7186}" type="datetimeFigureOut">
               <a:rPr lang="en-US" smtClean="0"/>
-              <a:t>9/15/17</a:t>
+              <a:t>9/19/17</a:t>
             </a:fld>
             <a:endParaRPr lang="en-US"/>
           </a:p>
@@ -2272,7 +2272,7 @@
           <a:p>
             <a:fld id="{232ABEB1-F4E1-8D4F-AAF0-EE6096FE7186}" type="datetimeFigureOut">
               <a:rPr lang="en-US" smtClean="0"/>
-              <a:t>9/15/17</a:t>
+              <a:t>9/19/17</a:t>
             </a:fld>
             <a:endParaRPr lang="en-US"/>
           </a:p>
@@ -2525,7 +2525,7 @@
           <a:p>
             <a:fld id="{232ABEB1-F4E1-8D4F-AAF0-EE6096FE7186}" type="datetimeFigureOut">
               <a:rPr lang="en-US" smtClean="0"/>
-              <a:t>9/15/17</a:t>
+              <a:t>9/19/17</a:t>
             </a:fld>
             <a:endParaRPr lang="en-US"/>
           </a:p>
@@ -2738,7 +2738,7 @@
           <a:p>
             <a:fld id="{232ABEB1-F4E1-8D4F-AAF0-EE6096FE7186}" type="datetimeFigureOut">
               <a:rPr lang="en-US" smtClean="0"/>
-              <a:t>9/15/17</a:t>
+              <a:t>9/19/17</a:t>
             </a:fld>
             <a:endParaRPr lang="en-US"/>
           </a:p>
@@ -3161,6 +3161,13 @@
   <p:clrMapOvr>
     <a:masterClrMapping/>
   </p:clrMapOvr>
+  <p:timing>
+    <p:tnLst>
+      <p:par>
+        <p:cTn xmlns:p14="http://schemas.microsoft.com/office/powerpoint/2010/main" id="1" dur="indefinite" restart="never" nodeType="tmRoot"/>
+      </p:par>
+    </p:tnLst>
+  </p:timing>
 </p:sld>
 </file>
 
@@ -3183,7 +3190,7 @@
       </p:grpSpPr>
       <p:pic>
         <p:nvPicPr>
-          <p:cNvPr id="2" name="Picture 1"/>
+          <p:cNvPr id="3" name="Picture 2"/>
           <p:cNvPicPr>
             <a:picLocks noChangeAspect="1"/>
           </p:cNvPicPr>
@@ -3204,6 +3211,20 @@
             <a:avLst/>
           </a:prstGeom>
         </p:spPr>
+        <p:style>
+          <a:lnRef idx="2">
+            <a:schemeClr val="dk1"/>
+          </a:lnRef>
+          <a:fillRef idx="1">
+            <a:schemeClr val="lt1"/>
+          </a:fillRef>
+          <a:effectRef idx="0">
+            <a:schemeClr val="dk1"/>
+          </a:effectRef>
+          <a:fontRef idx="minor">
+            <a:schemeClr val="dk1"/>
+          </a:fontRef>
+        </p:style>
       </p:pic>
     </p:spTree>
     <p:extLst>
@@ -3258,6 +3279,20 @@
             <a:avLst/>
           </a:prstGeom>
         </p:spPr>
+        <p:style>
+          <a:lnRef idx="2">
+            <a:schemeClr val="dk1"/>
+          </a:lnRef>
+          <a:fillRef idx="1">
+            <a:schemeClr val="lt1"/>
+          </a:fillRef>
+          <a:effectRef idx="0">
+            <a:schemeClr val="dk1"/>
+          </a:effectRef>
+          <a:fontRef idx="minor">
+            <a:schemeClr val="dk1"/>
+          </a:fontRef>
+        </p:style>
       </p:pic>
     </p:spTree>
     <p:extLst>
@@ -3312,6 +3347,20 @@
             <a:avLst/>
           </a:prstGeom>
         </p:spPr>
+        <p:style>
+          <a:lnRef idx="2">
+            <a:schemeClr val="dk1"/>
+          </a:lnRef>
+          <a:fillRef idx="1">
+            <a:schemeClr val="lt1"/>
+          </a:fillRef>
+          <a:effectRef idx="0">
+            <a:schemeClr val="dk1"/>
+          </a:effectRef>
+          <a:fontRef idx="minor">
+            <a:schemeClr val="dk1"/>
+          </a:fontRef>
+        </p:style>
       </p:pic>
     </p:spTree>
     <p:extLst>
@@ -3366,6 +3415,20 @@
             <a:avLst/>
           </a:prstGeom>
         </p:spPr>
+        <p:style>
+          <a:lnRef idx="2">
+            <a:schemeClr val="dk1"/>
+          </a:lnRef>
+          <a:fillRef idx="1">
+            <a:schemeClr val="lt1"/>
+          </a:fillRef>
+          <a:effectRef idx="0">
+            <a:schemeClr val="dk1"/>
+          </a:effectRef>
+          <a:fontRef idx="minor">
+            <a:schemeClr val="dk1"/>
+          </a:fontRef>
+        </p:style>
       </p:pic>
     </p:spTree>
     <p:extLst>
@@ -3420,6 +3483,20 @@
             <a:avLst/>
           </a:prstGeom>
         </p:spPr>
+        <p:style>
+          <a:lnRef idx="2">
+            <a:schemeClr val="dk1"/>
+          </a:lnRef>
+          <a:fillRef idx="1">
+            <a:schemeClr val="lt1"/>
+          </a:fillRef>
+          <a:effectRef idx="0">
+            <a:schemeClr val="dk1"/>
+          </a:effectRef>
+          <a:fontRef idx="minor">
+            <a:schemeClr val="dk1"/>
+          </a:fontRef>
+        </p:style>
       </p:pic>
     </p:spTree>
     <p:extLst>
@@ -3474,6 +3551,20 @@
             <a:avLst/>
           </a:prstGeom>
         </p:spPr>
+        <p:style>
+          <a:lnRef idx="2">
+            <a:schemeClr val="dk1"/>
+          </a:lnRef>
+          <a:fillRef idx="1">
+            <a:schemeClr val="lt1"/>
+          </a:fillRef>
+          <a:effectRef idx="0">
+            <a:schemeClr val="dk1"/>
+          </a:effectRef>
+          <a:fontRef idx="minor">
+            <a:schemeClr val="dk1"/>
+          </a:fontRef>
+        </p:style>
       </p:pic>
     </p:spTree>
     <p:extLst>
@@ -3528,6 +3619,20 @@
             <a:avLst/>
           </a:prstGeom>
         </p:spPr>
+        <p:style>
+          <a:lnRef idx="2">
+            <a:schemeClr val="dk1"/>
+          </a:lnRef>
+          <a:fillRef idx="1">
+            <a:schemeClr val="lt1"/>
+          </a:fillRef>
+          <a:effectRef idx="0">
+            <a:schemeClr val="dk1"/>
+          </a:effectRef>
+          <a:fontRef idx="minor">
+            <a:schemeClr val="dk1"/>
+          </a:fontRef>
+        </p:style>
       </p:pic>
     </p:spTree>
     <p:extLst>
@@ -3582,6 +3687,20 @@
             <a:avLst/>
           </a:prstGeom>
         </p:spPr>
+        <p:style>
+          <a:lnRef idx="2">
+            <a:schemeClr val="dk1"/>
+          </a:lnRef>
+          <a:fillRef idx="1">
+            <a:schemeClr val="lt1"/>
+          </a:fillRef>
+          <a:effectRef idx="0">
+            <a:schemeClr val="dk1"/>
+          </a:effectRef>
+          <a:fontRef idx="minor">
+            <a:schemeClr val="dk1"/>
+          </a:fontRef>
+        </p:style>
       </p:pic>
     </p:spTree>
     <p:extLst>
@@ -3636,6 +3755,20 @@
             <a:avLst/>
           </a:prstGeom>
         </p:spPr>
+        <p:style>
+          <a:lnRef idx="2">
+            <a:schemeClr val="dk1"/>
+          </a:lnRef>
+          <a:fillRef idx="1">
+            <a:schemeClr val="lt1"/>
+          </a:fillRef>
+          <a:effectRef idx="0">
+            <a:schemeClr val="dk1"/>
+          </a:effectRef>
+          <a:fontRef idx="minor">
+            <a:schemeClr val="dk1"/>
+          </a:fontRef>
+        </p:style>
       </p:pic>
     </p:spTree>
     <p:extLst>
@@ -3690,6 +3823,20 @@
             <a:avLst/>
           </a:prstGeom>
         </p:spPr>
+        <p:style>
+          <a:lnRef idx="2">
+            <a:schemeClr val="dk1"/>
+          </a:lnRef>
+          <a:fillRef idx="1">
+            <a:schemeClr val="lt1"/>
+          </a:fillRef>
+          <a:effectRef idx="0">
+            <a:schemeClr val="dk1"/>
+          </a:effectRef>
+          <a:fontRef idx="minor">
+            <a:schemeClr val="dk1"/>
+          </a:fontRef>
+        </p:style>
       </p:pic>
     </p:spTree>
     <p:extLst>
@@ -3723,7 +3870,7 @@
       </p:grpSpPr>
       <p:pic>
         <p:nvPicPr>
-          <p:cNvPr id="5" name="Picture 4"/>
+          <p:cNvPr id="2" name="Picture 1"/>
           <p:cNvPicPr>
             <a:picLocks noChangeAspect="1"/>
           </p:cNvPicPr>
@@ -3755,6 +3902,13 @@
   <p:clrMapOvr>
     <a:masterClrMapping/>
   </p:clrMapOvr>
+  <p:timing>
+    <p:tnLst>
+      <p:par>
+        <p:cTn xmlns:p14="http://schemas.microsoft.com/office/powerpoint/2010/main" id="1" dur="indefinite" restart="never" nodeType="tmRoot"/>
+      </p:par>
+    </p:tnLst>
+  </p:timing>
 </p:sld>
 </file>
 
@@ -3798,6 +3952,20 @@
             <a:avLst/>
           </a:prstGeom>
         </p:spPr>
+        <p:style>
+          <a:lnRef idx="2">
+            <a:schemeClr val="dk1"/>
+          </a:lnRef>
+          <a:fillRef idx="1">
+            <a:schemeClr val="lt1"/>
+          </a:fillRef>
+          <a:effectRef idx="0">
+            <a:schemeClr val="dk1"/>
+          </a:effectRef>
+          <a:fontRef idx="minor">
+            <a:schemeClr val="dk1"/>
+          </a:fontRef>
+        </p:style>
       </p:pic>
     </p:spTree>
     <p:extLst>
@@ -3809,6 +3977,13 @@
   <p:clrMapOvr>
     <a:masterClrMapping/>
   </p:clrMapOvr>
+  <p:timing>
+    <p:tnLst>
+      <p:par>
+        <p:cTn xmlns:p14="http://schemas.microsoft.com/office/powerpoint/2010/main" id="1" dur="indefinite" restart="never" nodeType="tmRoot"/>
+      </p:par>
+    </p:tnLst>
+  </p:timing>
 </p:sld>
 </file>
 
@@ -3852,6 +4027,20 @@
             <a:avLst/>
           </a:prstGeom>
         </p:spPr>
+        <p:style>
+          <a:lnRef idx="2">
+            <a:schemeClr val="dk1"/>
+          </a:lnRef>
+          <a:fillRef idx="1">
+            <a:schemeClr val="lt1"/>
+          </a:fillRef>
+          <a:effectRef idx="0">
+            <a:schemeClr val="dk1"/>
+          </a:effectRef>
+          <a:fontRef idx="minor">
+            <a:schemeClr val="dk1"/>
+          </a:fontRef>
+        </p:style>
       </p:pic>
     </p:spTree>
     <p:extLst>
@@ -3885,7 +4074,7 @@
       </p:grpSpPr>
       <p:pic>
         <p:nvPicPr>
-          <p:cNvPr id="3" name="Picture 2"/>
+          <p:cNvPr id="2" name="Picture 1"/>
           <p:cNvPicPr>
             <a:picLocks noChangeAspect="1"/>
           </p:cNvPicPr>
@@ -3906,6 +4095,20 @@
             <a:avLst/>
           </a:prstGeom>
         </p:spPr>
+        <p:style>
+          <a:lnRef idx="2">
+            <a:schemeClr val="dk1"/>
+          </a:lnRef>
+          <a:fillRef idx="1">
+            <a:schemeClr val="lt1"/>
+          </a:fillRef>
+          <a:effectRef idx="0">
+            <a:schemeClr val="dk1"/>
+          </a:effectRef>
+          <a:fontRef idx="minor">
+            <a:schemeClr val="dk1"/>
+          </a:fontRef>
+        </p:style>
       </p:pic>
     </p:spTree>
     <p:extLst>
@@ -3960,6 +4163,20 @@
             <a:avLst/>
           </a:prstGeom>
         </p:spPr>
+        <p:style>
+          <a:lnRef idx="2">
+            <a:schemeClr val="dk1"/>
+          </a:lnRef>
+          <a:fillRef idx="1">
+            <a:schemeClr val="lt1"/>
+          </a:fillRef>
+          <a:effectRef idx="0">
+            <a:schemeClr val="dk1"/>
+          </a:effectRef>
+          <a:fontRef idx="minor">
+            <a:schemeClr val="dk1"/>
+          </a:fontRef>
+        </p:style>
       </p:pic>
     </p:spTree>
     <p:extLst>
@@ -4014,6 +4231,20 @@
             <a:avLst/>
           </a:prstGeom>
         </p:spPr>
+        <p:style>
+          <a:lnRef idx="2">
+            <a:schemeClr val="dk1"/>
+          </a:lnRef>
+          <a:fillRef idx="1">
+            <a:schemeClr val="lt1"/>
+          </a:fillRef>
+          <a:effectRef idx="0">
+            <a:schemeClr val="dk1"/>
+          </a:effectRef>
+          <a:fontRef idx="minor">
+            <a:schemeClr val="dk1"/>
+          </a:fontRef>
+        </p:style>
       </p:pic>
     </p:spTree>
     <p:extLst>
@@ -4068,6 +4299,20 @@
             <a:avLst/>
           </a:prstGeom>
         </p:spPr>
+        <p:style>
+          <a:lnRef idx="2">
+            <a:schemeClr val="dk1"/>
+          </a:lnRef>
+          <a:fillRef idx="1">
+            <a:schemeClr val="lt1"/>
+          </a:fillRef>
+          <a:effectRef idx="0">
+            <a:schemeClr val="dk1"/>
+          </a:effectRef>
+          <a:fontRef idx="minor">
+            <a:schemeClr val="dk1"/>
+          </a:fontRef>
+        </p:style>
       </p:pic>
     </p:spTree>
     <p:extLst>
@@ -4122,6 +4367,20 @@
             <a:avLst/>
           </a:prstGeom>
         </p:spPr>
+        <p:style>
+          <a:lnRef idx="2">
+            <a:schemeClr val="dk1"/>
+          </a:lnRef>
+          <a:fillRef idx="1">
+            <a:schemeClr val="lt1"/>
+          </a:fillRef>
+          <a:effectRef idx="0">
+            <a:schemeClr val="dk1"/>
+          </a:effectRef>
+          <a:fontRef idx="minor">
+            <a:schemeClr val="dk1"/>
+          </a:fontRef>
+        </p:style>
       </p:pic>
     </p:spTree>
     <p:extLst>
